--- a/PPT/05j3_Flat.pptx
+++ b/PPT/05j3_Flat.pptx
@@ -11,11 +11,10 @@
     <p:sldId id="272" r:id="rId5"/>
     <p:sldId id="273" r:id="rId6"/>
     <p:sldId id="274" r:id="rId7"/>
-    <p:sldId id="275" r:id="rId8"/>
-    <p:sldId id="276" r:id="rId9"/>
-    <p:sldId id="277" r:id="rId10"/>
-    <p:sldId id="278" r:id="rId11"/>
-    <p:sldId id="257" r:id="rId12"/>
+    <p:sldId id="276" r:id="rId8"/>
+    <p:sldId id="277" r:id="rId9"/>
+    <p:sldId id="278" r:id="rId10"/>
+    <p:sldId id="257" r:id="rId11"/>
   </p:sldIdLst>
   <p:sldSz cx="12192000" cy="6858000"/>
   <p:notesSz cx="6858000" cy="9144000"/>
@@ -525,7 +524,7 @@
           <a:p>
             <a:fld id="{83448B07-2C06-4CF2-8E91-F7385E71E2CB}" type="datetimeFigureOut">
               <a:rPr lang="en-US" dirty="0"/>
-              <a:t>4/11/2025</a:t>
+              <a:t>4/23/2025</a:t>
             </a:fld>
             <a:endParaRPr lang="en-US" dirty="0"/>
           </a:p>
@@ -700,7 +699,7 @@
           <a:p>
             <a:fld id="{181069D4-B020-4602-B87C-B094679675DF}" type="datetimeFigureOut">
               <a:rPr lang="en-US" dirty="0"/>
-              <a:t>4/11/2025</a:t>
+              <a:t>4/23/2025</a:t>
             </a:fld>
             <a:endParaRPr lang="en-US" dirty="0"/>
           </a:p>
@@ -875,7 +874,7 @@
           <a:p>
             <a:fld id="{936C11EA-3D59-4DFE-9385-0A032B3191AF}" type="datetimeFigureOut">
               <a:rPr lang="en-US" dirty="0"/>
-              <a:t>4/11/2025</a:t>
+              <a:t>4/23/2025</a:t>
             </a:fld>
             <a:endParaRPr lang="en-US" dirty="0"/>
           </a:p>
@@ -1040,7 +1039,7 @@
           <a:p>
             <a:fld id="{804936D4-0671-4B70-A95D-BFBC9A35DA5B}" type="datetimeFigureOut">
               <a:rPr lang="en-US" dirty="0"/>
-              <a:t>4/11/2025</a:t>
+              <a:t>4/23/2025</a:t>
             </a:fld>
             <a:endParaRPr lang="en-US" dirty="0"/>
           </a:p>
@@ -1348,7 +1347,7 @@
           <a:p>
             <a:fld id="{DDD67DAC-232D-4042-B5C0-E64770A42A28}" type="datetimeFigureOut">
               <a:rPr lang="en-US" dirty="0"/>
-              <a:t>4/11/2025</a:t>
+              <a:t>4/23/2025</a:t>
             </a:fld>
             <a:endParaRPr lang="en-US" dirty="0"/>
           </a:p>
@@ -1730,7 +1729,7 @@
           <a:p>
             <a:fld id="{8ECECD2C-79BD-4B90-B3FA-E3B19B3FF97B}" type="datetimeFigureOut">
               <a:rPr lang="en-US" dirty="0"/>
-              <a:t>4/11/2025</a:t>
+              <a:t>4/23/2025</a:t>
             </a:fld>
             <a:endParaRPr lang="en-US" dirty="0"/>
           </a:p>
@@ -2159,7 +2158,7 @@
           <a:p>
             <a:fld id="{29E9FDB6-7A26-4DBB-9BB0-088C0534314D}" type="datetimeFigureOut">
               <a:rPr lang="en-US" dirty="0"/>
-              <a:t>4/11/2025</a:t>
+              <a:t>4/23/2025</a:t>
             </a:fld>
             <a:endParaRPr lang="en-US" dirty="0"/>
           </a:p>
@@ -2272,7 +2271,7 @@
           <a:p>
             <a:fld id="{C2E7C72F-E0F0-449A-A903-6D7865ED3EFA}" type="datetimeFigureOut">
               <a:rPr lang="en-US" dirty="0"/>
-              <a:t>4/11/2025</a:t>
+              <a:t>4/23/2025</a:t>
             </a:fld>
             <a:endParaRPr lang="en-US" dirty="0"/>
           </a:p>
@@ -2362,7 +2361,7 @@
           <a:p>
             <a:fld id="{6641207D-C9F3-42EA-960B-DC9955B358C7}" type="datetimeFigureOut">
               <a:rPr lang="en-US" dirty="0"/>
-              <a:t>4/11/2025</a:t>
+              <a:t>4/23/2025</a:t>
             </a:fld>
             <a:endParaRPr lang="en-US" dirty="0"/>
           </a:p>
@@ -2707,7 +2706,7 @@
           <a:p>
             <a:fld id="{4D8827A6-8947-4115-8D9E-E89B1EC0518D}" type="datetimeFigureOut">
               <a:rPr lang="en-US" dirty="0"/>
-              <a:t>4/11/2025</a:t>
+              <a:t>4/23/2025</a:t>
             </a:fld>
             <a:endParaRPr lang="en-US" dirty="0"/>
           </a:p>
@@ -3127,7 +3126,7 @@
           <a:p>
             <a:fld id="{ED460A6F-F31A-4CA3-B222-0B3C224FF998}" type="datetimeFigureOut">
               <a:rPr lang="en-US" dirty="0"/>
-              <a:t>4/11/2025</a:t>
+              <a:t>4/23/2025</a:t>
             </a:fld>
             <a:endParaRPr lang="en-US" dirty="0"/>
           </a:p>
@@ -3403,7 +3402,7 @@
           <a:p>
             <a:fld id="{648A1663-7765-4EF4-B97F-A02E70C6265E}" type="datetimeFigureOut">
               <a:rPr lang="en-US" dirty="0"/>
-              <a:t>4/11/2025</a:t>
+              <a:t>4/23/2025</a:t>
             </a:fld>
             <a:endParaRPr lang="en-US" dirty="0"/>
           </a:p>
@@ -4108,90 +4107,6 @@
       </p:grpSpPr>
       <p:sp>
         <p:nvSpPr>
-          <p:cNvPr id="2" name="Title 1"/>
-          <p:cNvSpPr>
-            <a:spLocks noGrp="1"/>
-          </p:cNvSpPr>
-          <p:nvPr>
-            <p:ph type="title"/>
-          </p:nvPr>
-        </p:nvSpPr>
-        <p:spPr/>
-        <p:txBody>
-          <a:bodyPr/>
-          <a:lstStyle/>
-          <a:p>
-            <a:r>
-              <a:rPr lang="en-US" dirty="0" smtClean="0"/>
-              <a:t>Transition Diagram</a:t>
-            </a:r>
-            <a:endParaRPr lang="en-IN" dirty="0"/>
-          </a:p>
-        </p:txBody>
-      </p:sp>
-      <p:pic>
-        <p:nvPicPr>
-          <p:cNvPr id="5" name="Picture 4"/>
-          <p:cNvPicPr>
-            <a:picLocks noChangeAspect="1"/>
-          </p:cNvPicPr>
-          <p:nvPr/>
-        </p:nvPicPr>
-        <p:blipFill>
-          <a:blip r:embed="rId2"/>
-          <a:stretch>
-            <a:fillRect/>
-          </a:stretch>
-        </p:blipFill>
-        <p:spPr>
-          <a:xfrm>
-            <a:off x="1069848" y="2235200"/>
-            <a:ext cx="9315947" cy="4428856"/>
-          </a:xfrm>
-          <a:prstGeom prst="rect">
-            <a:avLst/>
-          </a:prstGeom>
-        </p:spPr>
-      </p:pic>
-    </p:spTree>
-    <p:extLst>
-      <p:ext uri="{BB962C8B-B14F-4D97-AF65-F5344CB8AC3E}">
-        <p14:creationId xmlns:p14="http://schemas.microsoft.com/office/powerpoint/2010/main" val="1447752191"/>
-      </p:ext>
-    </p:extLst>
-  </p:cSld>
-  <p:clrMapOvr>
-    <a:masterClrMapping/>
-  </p:clrMapOvr>
-  <p:timing>
-    <p:tnLst>
-      <p:par>
-        <p:cTn id="1" dur="indefinite" restart="never" nodeType="tmRoot"/>
-      </p:par>
-    </p:tnLst>
-  </p:timing>
-</p:sld>
-</file>
-
-<file path=ppt/slides/slide11.xml><?xml version="1.0" encoding="utf-8"?>
-<p:sld xmlns:a="http://schemas.openxmlformats.org/drawingml/2006/main" xmlns:r="http://schemas.openxmlformats.org/officeDocument/2006/relationships" xmlns:p="http://schemas.openxmlformats.org/presentationml/2006/main">
-  <p:cSld>
-    <p:spTree>
-      <p:nvGrpSpPr>
-        <p:cNvPr id="1" name=""/>
-        <p:cNvGrpSpPr/>
-        <p:nvPr/>
-      </p:nvGrpSpPr>
-      <p:grpSpPr>
-        <a:xfrm>
-          <a:off x="0" y="0"/>
-          <a:ext cx="0" cy="0"/>
-          <a:chOff x="0" y="0"/>
-          <a:chExt cx="0" cy="0"/>
-        </a:xfrm>
-      </p:grpSpPr>
-      <p:sp>
-        <p:nvSpPr>
           <p:cNvPr id="3" name="Rectangle 2"/>
           <p:cNvSpPr/>
           <p:nvPr/>
@@ -4646,8 +4561,32 @@
         </p:blipFill>
         <p:spPr>
           <a:xfrm>
-            <a:off x="1793352" y="3342640"/>
-            <a:ext cx="7044088" cy="2290595"/>
+            <a:off x="1436914" y="3301826"/>
+            <a:ext cx="3550104" cy="2526254"/>
+          </a:xfrm>
+          <a:prstGeom prst="rect">
+            <a:avLst/>
+          </a:prstGeom>
+        </p:spPr>
+      </p:pic>
+      <p:pic>
+        <p:nvPicPr>
+          <p:cNvPr id="5" name="Content Placeholder 4"/>
+          <p:cNvPicPr>
+            <a:picLocks noChangeAspect="1"/>
+          </p:cNvPicPr>
+          <p:nvPr/>
+        </p:nvPicPr>
+        <p:blipFill>
+          <a:blip r:embed="rId3"/>
+          <a:stretch>
+            <a:fillRect/>
+          </a:stretch>
+        </p:blipFill>
+        <p:spPr>
+          <a:xfrm>
+            <a:off x="5781808" y="2864496"/>
+            <a:ext cx="5135009" cy="3146593"/>
           </a:xfrm>
           <a:prstGeom prst="rect">
             <a:avLst/>
@@ -4718,94 +4657,6 @@
       </p:sp>
       <p:pic>
         <p:nvPicPr>
-          <p:cNvPr id="5" name="Content Placeholder 4"/>
-          <p:cNvPicPr>
-            <a:picLocks noGrp="1" noChangeAspect="1"/>
-          </p:cNvPicPr>
-          <p:nvPr>
-            <p:ph idx="1"/>
-          </p:nvPr>
-        </p:nvPicPr>
-        <p:blipFill>
-          <a:blip r:embed="rId2"/>
-          <a:stretch>
-            <a:fillRect/>
-          </a:stretch>
-        </p:blipFill>
-        <p:spPr>
-          <a:xfrm>
-            <a:off x="1069848" y="1910080"/>
-            <a:ext cx="8511740" cy="4231640"/>
-          </a:xfrm>
-          <a:prstGeom prst="rect">
-            <a:avLst/>
-          </a:prstGeom>
-        </p:spPr>
-      </p:pic>
-    </p:spTree>
-    <p:extLst>
-      <p:ext uri="{BB962C8B-B14F-4D97-AF65-F5344CB8AC3E}">
-        <p14:creationId xmlns:p14="http://schemas.microsoft.com/office/powerpoint/2010/main" val="3397461257"/>
-      </p:ext>
-    </p:extLst>
-  </p:cSld>
-  <p:clrMapOvr>
-    <a:masterClrMapping/>
-  </p:clrMapOvr>
-  <p:timing>
-    <p:tnLst>
-      <p:par>
-        <p:cTn id="1" dur="indefinite" restart="never" nodeType="tmRoot"/>
-      </p:par>
-    </p:tnLst>
-  </p:timing>
-</p:sld>
-</file>
-
-<file path=ppt/slides/slide8.xml><?xml version="1.0" encoding="utf-8"?>
-<p:sld xmlns:a="http://schemas.openxmlformats.org/drawingml/2006/main" xmlns:r="http://schemas.openxmlformats.org/officeDocument/2006/relationships" xmlns:p="http://schemas.openxmlformats.org/presentationml/2006/main">
-  <p:cSld>
-    <p:spTree>
-      <p:nvGrpSpPr>
-        <p:cNvPr id="1" name=""/>
-        <p:cNvGrpSpPr/>
-        <p:nvPr/>
-      </p:nvGrpSpPr>
-      <p:grpSpPr>
-        <a:xfrm>
-          <a:off x="0" y="0"/>
-          <a:ext cx="0" cy="0"/>
-          <a:chOff x="0" y="0"/>
-          <a:chExt cx="0" cy="0"/>
-        </a:xfrm>
-      </p:grpSpPr>
-      <p:sp>
-        <p:nvSpPr>
-          <p:cNvPr id="2" name="Title 1"/>
-          <p:cNvSpPr>
-            <a:spLocks noGrp="1"/>
-          </p:cNvSpPr>
-          <p:nvPr>
-            <p:ph type="title"/>
-          </p:nvPr>
-        </p:nvSpPr>
-        <p:spPr/>
-        <p:txBody>
-          <a:bodyPr>
-            <a:normAutofit/>
-          </a:bodyPr>
-          <a:lstStyle/>
-          <a:p>
-            <a:r>
-              <a:rPr lang="en-US" dirty="0" smtClean="0"/>
-              <a:t>Example:</a:t>
-            </a:r>
-            <a:endParaRPr lang="en-IN" dirty="0"/>
-          </a:p>
-        </p:txBody>
-      </p:sp>
-      <p:pic>
-        <p:nvPicPr>
           <p:cNvPr id="4" name="Content Placeholder 3"/>
           <p:cNvPicPr>
             <a:picLocks noGrp="1" noChangeAspect="1"/>
@@ -4850,7 +4701,7 @@
 </p:sld>
 </file>
 
-<file path=ppt/slides/slide9.xml><?xml version="1.0" encoding="utf-8"?>
+<file path=ppt/slides/slide8.xml><?xml version="1.0" encoding="utf-8"?>
 <p:sld xmlns:a="http://schemas.openxmlformats.org/drawingml/2006/main" xmlns:r="http://schemas.openxmlformats.org/officeDocument/2006/relationships" xmlns:p="http://schemas.openxmlformats.org/presentationml/2006/main">
   <p:cSld>
     <p:spTree>
@@ -4920,6 +4771,90 @@
     <p:extLst>
       <p:ext uri="{BB962C8B-B14F-4D97-AF65-F5344CB8AC3E}">
         <p14:creationId xmlns:p14="http://schemas.microsoft.com/office/powerpoint/2010/main" val="1568406861"/>
+      </p:ext>
+    </p:extLst>
+  </p:cSld>
+  <p:clrMapOvr>
+    <a:masterClrMapping/>
+  </p:clrMapOvr>
+  <p:timing>
+    <p:tnLst>
+      <p:par>
+        <p:cTn id="1" dur="indefinite" restart="never" nodeType="tmRoot"/>
+      </p:par>
+    </p:tnLst>
+  </p:timing>
+</p:sld>
+</file>
+
+<file path=ppt/slides/slide9.xml><?xml version="1.0" encoding="utf-8"?>
+<p:sld xmlns:a="http://schemas.openxmlformats.org/drawingml/2006/main" xmlns:r="http://schemas.openxmlformats.org/officeDocument/2006/relationships" xmlns:p="http://schemas.openxmlformats.org/presentationml/2006/main">
+  <p:cSld>
+    <p:spTree>
+      <p:nvGrpSpPr>
+        <p:cNvPr id="1" name=""/>
+        <p:cNvGrpSpPr/>
+        <p:nvPr/>
+      </p:nvGrpSpPr>
+      <p:grpSpPr>
+        <a:xfrm>
+          <a:off x="0" y="0"/>
+          <a:ext cx="0" cy="0"/>
+          <a:chOff x="0" y="0"/>
+          <a:chExt cx="0" cy="0"/>
+        </a:xfrm>
+      </p:grpSpPr>
+      <p:sp>
+        <p:nvSpPr>
+          <p:cNvPr id="2" name="Title 1"/>
+          <p:cNvSpPr>
+            <a:spLocks noGrp="1"/>
+          </p:cNvSpPr>
+          <p:nvPr>
+            <p:ph type="title"/>
+          </p:nvPr>
+        </p:nvSpPr>
+        <p:spPr/>
+        <p:txBody>
+          <a:bodyPr/>
+          <a:lstStyle/>
+          <a:p>
+            <a:r>
+              <a:rPr lang="en-US" dirty="0" smtClean="0"/>
+              <a:t>Transition Diagram</a:t>
+            </a:r>
+            <a:endParaRPr lang="en-IN" dirty="0"/>
+          </a:p>
+        </p:txBody>
+      </p:sp>
+      <p:pic>
+        <p:nvPicPr>
+          <p:cNvPr id="5" name="Picture 4"/>
+          <p:cNvPicPr>
+            <a:picLocks noChangeAspect="1"/>
+          </p:cNvPicPr>
+          <p:nvPr/>
+        </p:nvPicPr>
+        <p:blipFill>
+          <a:blip r:embed="rId2"/>
+          <a:stretch>
+            <a:fillRect/>
+          </a:stretch>
+        </p:blipFill>
+        <p:spPr>
+          <a:xfrm>
+            <a:off x="1069848" y="2235200"/>
+            <a:ext cx="9315947" cy="4428856"/>
+          </a:xfrm>
+          <a:prstGeom prst="rect">
+            <a:avLst/>
+          </a:prstGeom>
+        </p:spPr>
+      </p:pic>
+    </p:spTree>
+    <p:extLst>
+      <p:ext uri="{BB962C8B-B14F-4D97-AF65-F5344CB8AC3E}">
+        <p14:creationId xmlns:p14="http://schemas.microsoft.com/office/powerpoint/2010/main" val="1447752191"/>
       </p:ext>
     </p:extLst>
   </p:cSld>
